--- a/106590037.pptx
+++ b/106590037.pptx
@@ -105,6 +105,11 @@
       </a:defRPr>
     </a:lvl9pPr>
   </p:defaultTextStyle>
+  <p:extLst>
+    <p:ext uri="{EFAFB233-063F-42B5-8137-9DF3F51BA10A}">
+      <p15:sldGuideLst xmlns:p15="http://schemas.microsoft.com/office/powerpoint/2012/main"/>
+    </p:ext>
+  </p:extLst>
 </p:presentation>
 </file>
 
@@ -251,7 +256,7 @@
           <a:p>
             <a:fld id="{EA031C92-E93D-422C-A806-983471F80F4B}" type="datetimeFigureOut">
               <a:rPr lang="zh-TW" altLang="en-US" smtClean="0"/>
-              <a:t>2019/3/27</a:t>
+              <a:t>2019/5/19</a:t>
             </a:fld>
             <a:endParaRPr lang="zh-TW" altLang="en-US"/>
           </a:p>
@@ -421,7 +426,7 @@
           <a:p>
             <a:fld id="{EA031C92-E93D-422C-A806-983471F80F4B}" type="datetimeFigureOut">
               <a:rPr lang="zh-TW" altLang="en-US" smtClean="0"/>
-              <a:t>2019/3/27</a:t>
+              <a:t>2019/5/19</a:t>
             </a:fld>
             <a:endParaRPr lang="zh-TW" altLang="en-US"/>
           </a:p>
@@ -601,7 +606,7 @@
           <a:p>
             <a:fld id="{EA031C92-E93D-422C-A806-983471F80F4B}" type="datetimeFigureOut">
               <a:rPr lang="zh-TW" altLang="en-US" smtClean="0"/>
-              <a:t>2019/3/27</a:t>
+              <a:t>2019/5/19</a:t>
             </a:fld>
             <a:endParaRPr lang="zh-TW" altLang="en-US"/>
           </a:p>
@@ -771,7 +776,7 @@
           <a:p>
             <a:fld id="{EA031C92-E93D-422C-A806-983471F80F4B}" type="datetimeFigureOut">
               <a:rPr lang="zh-TW" altLang="en-US" smtClean="0"/>
-              <a:t>2019/3/27</a:t>
+              <a:t>2019/5/19</a:t>
             </a:fld>
             <a:endParaRPr lang="zh-TW" altLang="en-US"/>
           </a:p>
@@ -1017,7 +1022,7 @@
           <a:p>
             <a:fld id="{EA031C92-E93D-422C-A806-983471F80F4B}" type="datetimeFigureOut">
               <a:rPr lang="zh-TW" altLang="en-US" smtClean="0"/>
-              <a:t>2019/3/27</a:t>
+              <a:t>2019/5/19</a:t>
             </a:fld>
             <a:endParaRPr lang="zh-TW" altLang="en-US"/>
           </a:p>
@@ -1249,7 +1254,7 @@
           <a:p>
             <a:fld id="{EA031C92-E93D-422C-A806-983471F80F4B}" type="datetimeFigureOut">
               <a:rPr lang="zh-TW" altLang="en-US" smtClean="0"/>
-              <a:t>2019/3/27</a:t>
+              <a:t>2019/5/19</a:t>
             </a:fld>
             <a:endParaRPr lang="zh-TW" altLang="en-US"/>
           </a:p>
@@ -1616,7 +1621,7 @@
           <a:p>
             <a:fld id="{EA031C92-E93D-422C-A806-983471F80F4B}" type="datetimeFigureOut">
               <a:rPr lang="zh-TW" altLang="en-US" smtClean="0"/>
-              <a:t>2019/3/27</a:t>
+              <a:t>2019/5/19</a:t>
             </a:fld>
             <a:endParaRPr lang="zh-TW" altLang="en-US"/>
           </a:p>
@@ -1734,7 +1739,7 @@
           <a:p>
             <a:fld id="{EA031C92-E93D-422C-A806-983471F80F4B}" type="datetimeFigureOut">
               <a:rPr lang="zh-TW" altLang="en-US" smtClean="0"/>
-              <a:t>2019/3/27</a:t>
+              <a:t>2019/5/19</a:t>
             </a:fld>
             <a:endParaRPr lang="zh-TW" altLang="en-US"/>
           </a:p>
@@ -1829,7 +1834,7 @@
           <a:p>
             <a:fld id="{EA031C92-E93D-422C-A806-983471F80F4B}" type="datetimeFigureOut">
               <a:rPr lang="zh-TW" altLang="en-US" smtClean="0"/>
-              <a:t>2019/3/27</a:t>
+              <a:t>2019/5/19</a:t>
             </a:fld>
             <a:endParaRPr lang="zh-TW" altLang="en-US"/>
           </a:p>
@@ -2106,7 +2111,7 @@
           <a:p>
             <a:fld id="{EA031C92-E93D-422C-A806-983471F80F4B}" type="datetimeFigureOut">
               <a:rPr lang="zh-TW" altLang="en-US" smtClean="0"/>
-              <a:t>2019/3/27</a:t>
+              <a:t>2019/5/19</a:t>
             </a:fld>
             <a:endParaRPr lang="zh-TW" altLang="en-US"/>
           </a:p>
@@ -2359,7 +2364,7 @@
           <a:p>
             <a:fld id="{EA031C92-E93D-422C-A806-983471F80F4B}" type="datetimeFigureOut">
               <a:rPr lang="zh-TW" altLang="en-US" smtClean="0"/>
-              <a:t>2019/3/27</a:t>
+              <a:t>2019/5/19</a:t>
             </a:fld>
             <a:endParaRPr lang="zh-TW" altLang="en-US"/>
           </a:p>
@@ -2572,7 +2577,7 @@
           <a:p>
             <a:fld id="{EA031C92-E93D-422C-A806-983471F80F4B}" type="datetimeFigureOut">
               <a:rPr lang="zh-TW" altLang="en-US" smtClean="0"/>
-              <a:t>2019/3/27</a:t>
+              <a:t>2019/5/19</a:t>
             </a:fld>
             <a:endParaRPr lang="zh-TW" altLang="en-US"/>
           </a:p>
@@ -2979,7 +2984,7 @@
       </p:grpSpPr>
       <p:pic>
         <p:nvPicPr>
-          <p:cNvPr id="7" name="圖片 6"/>
+          <p:cNvPr id="2" name="圖片 1"/>
           <p:cNvPicPr>
             <a:picLocks noChangeAspect="1"/>
           </p:cNvPicPr>
@@ -3310,8 +3315,8 @@
         </p:nvSpPr>
         <p:spPr>
           <a:xfrm>
-            <a:off x="180975" y="0"/>
-            <a:ext cx="4933950" cy="962025"/>
+            <a:off x="0" y="0"/>
+            <a:ext cx="5310490" cy="962025"/>
           </a:xfrm>
           <a:prstGeom prst="rect">
             <a:avLst/>
@@ -3360,8 +3365,8 @@
         </p:nvSpPr>
         <p:spPr>
           <a:xfrm>
-            <a:off x="180975" y="1457325"/>
-            <a:ext cx="4933950" cy="1828800"/>
+            <a:off x="0" y="1457325"/>
+            <a:ext cx="5310490" cy="1828800"/>
           </a:xfrm>
           <a:prstGeom prst="rect">
             <a:avLst/>
@@ -3405,8 +3410,8 @@
         </p:nvSpPr>
         <p:spPr>
           <a:xfrm>
-            <a:off x="180975" y="3438525"/>
-            <a:ext cx="4933950" cy="1933575"/>
+            <a:off x="-1" y="3438525"/>
+            <a:ext cx="5310491" cy="1933575"/>
           </a:xfrm>
           <a:prstGeom prst="rect">
             <a:avLst/>
@@ -3450,8 +3455,8 @@
         </p:nvSpPr>
         <p:spPr>
           <a:xfrm>
-            <a:off x="180975" y="5610225"/>
-            <a:ext cx="4933950" cy="1247775"/>
+            <a:off x="0" y="5610225"/>
+            <a:ext cx="5310490" cy="1247775"/>
           </a:xfrm>
           <a:prstGeom prst="rect">
             <a:avLst/>
@@ -3525,9 +3530,76 @@
           <a:chExt cx="0" cy="0"/>
         </a:xfrm>
       </p:grpSpPr>
+      <p:sp>
+        <p:nvSpPr>
+          <p:cNvPr id="5" name="文字方塊 4"/>
+          <p:cNvSpPr txBox="1"/>
+          <p:nvPr/>
+        </p:nvSpPr>
+        <p:spPr>
+          <a:xfrm>
+            <a:off x="6029325" y="657224"/>
+            <a:ext cx="4295775" cy="1477328"/>
+          </a:xfrm>
+          <a:prstGeom prst="rect">
+            <a:avLst/>
+          </a:prstGeom>
+          <a:noFill/>
+        </p:spPr>
+        <p:txBody>
+          <a:bodyPr wrap="square" rtlCol="0">
+            <a:spAutoFit/>
+          </a:bodyPr>
+          <a:lstStyle/>
+          <a:p>
+            <a:r>
+              <a:rPr lang="zh-TW" altLang="en-US" dirty="0" smtClean="0"/>
+              <a:t>色彩：Ｒ</a:t>
+            </a:r>
+            <a:r>
+              <a:rPr lang="en-US" altLang="zh-TW" dirty="0" smtClean="0"/>
+              <a:t>:255</a:t>
+            </a:r>
+            <a:r>
+              <a:rPr lang="zh-TW" altLang="en-US" dirty="0" smtClean="0"/>
+              <a:t> Ｇ</a:t>
+            </a:r>
+            <a:r>
+              <a:rPr lang="en-US" altLang="zh-TW" dirty="0" smtClean="0"/>
+              <a:t>:255</a:t>
+            </a:r>
+            <a:r>
+              <a:rPr lang="zh-TW" altLang="en-US" dirty="0" smtClean="0"/>
+              <a:t> Ｂ</a:t>
+            </a:r>
+            <a:r>
+              <a:rPr lang="en-US" altLang="zh-TW" dirty="0" smtClean="0"/>
+              <a:t>:255</a:t>
+            </a:r>
+            <a:r>
+              <a:rPr lang="zh-TW" altLang="en-US" dirty="0" smtClean="0"/>
+              <a:t> 白色</a:t>
+            </a:r>
+            <a:endParaRPr lang="en-US" altLang="zh-TW" dirty="0" smtClean="0"/>
+          </a:p>
+          <a:p>
+            <a:endParaRPr lang="en-US" altLang="zh-TW" dirty="0" smtClean="0"/>
+          </a:p>
+          <a:p>
+            <a:endParaRPr lang="en-US" altLang="zh-TW" dirty="0"/>
+          </a:p>
+          <a:p>
+            <a:r>
+              <a:rPr lang="zh-TW" altLang="en-US" dirty="0" smtClean="0"/>
+              <a:t>白色象徵著純潔與高雅，襯托出高級蛋糕店的典雅</a:t>
+            </a:r>
+            <a:endParaRPr lang="en-US" altLang="zh-TW" dirty="0" smtClean="0"/>
+          </a:p>
+        </p:txBody>
+      </p:sp>
       <p:pic>
         <p:nvPicPr>
-          <p:cNvPr id="4" name="圖片 3"/>
+          <p:cNvPr id="2" name="圖片 1"/>
           <p:cNvPicPr>
             <a:picLocks noChangeAspect="1"/>
           </p:cNvPicPr>
@@ -3548,80 +3620,13 @@
         <p:spPr>
           <a:xfrm>
             <a:off x="0" y="0"/>
-            <a:ext cx="5310490" cy="6858000"/>
+            <a:ext cx="5314639" cy="6858000"/>
           </a:xfrm>
           <a:prstGeom prst="rect">
             <a:avLst/>
           </a:prstGeom>
         </p:spPr>
       </p:pic>
-      <p:sp>
-        <p:nvSpPr>
-          <p:cNvPr id="5" name="文字方塊 4"/>
-          <p:cNvSpPr txBox="1"/>
-          <p:nvPr/>
-        </p:nvSpPr>
-        <p:spPr>
-          <a:xfrm>
-            <a:off x="6029325" y="657224"/>
-            <a:ext cx="4295775" cy="1477328"/>
-          </a:xfrm>
-          <a:prstGeom prst="rect">
-            <a:avLst/>
-          </a:prstGeom>
-          <a:noFill/>
-        </p:spPr>
-        <p:txBody>
-          <a:bodyPr wrap="square" rtlCol="0">
-            <a:spAutoFit/>
-          </a:bodyPr>
-          <a:lstStyle/>
-          <a:p>
-            <a:r>
-              <a:rPr lang="zh-TW" altLang="en-US" dirty="0" smtClean="0"/>
-              <a:t>色彩：Ｒ</a:t>
-            </a:r>
-            <a:r>
-              <a:rPr lang="en-US" altLang="zh-TW" dirty="0" smtClean="0"/>
-              <a:t>:255</a:t>
-            </a:r>
-            <a:r>
-              <a:rPr lang="zh-TW" altLang="en-US" dirty="0" smtClean="0"/>
-              <a:t> Ｇ</a:t>
-            </a:r>
-            <a:r>
-              <a:rPr lang="en-US" altLang="zh-TW" dirty="0" smtClean="0"/>
-              <a:t>:255</a:t>
-            </a:r>
-            <a:r>
-              <a:rPr lang="zh-TW" altLang="en-US" dirty="0" smtClean="0"/>
-              <a:t> Ｂ</a:t>
-            </a:r>
-            <a:r>
-              <a:rPr lang="en-US" altLang="zh-TW" dirty="0" smtClean="0"/>
-              <a:t>:255</a:t>
-            </a:r>
-            <a:r>
-              <a:rPr lang="zh-TW" altLang="en-US" dirty="0" smtClean="0"/>
-              <a:t> 白色</a:t>
-            </a:r>
-            <a:endParaRPr lang="en-US" altLang="zh-TW" dirty="0" smtClean="0"/>
-          </a:p>
-          <a:p>
-            <a:endParaRPr lang="en-US" altLang="zh-TW" dirty="0" smtClean="0"/>
-          </a:p>
-          <a:p>
-            <a:endParaRPr lang="en-US" altLang="zh-TW" dirty="0"/>
-          </a:p>
-          <a:p>
-            <a:r>
-              <a:rPr lang="zh-TW" altLang="en-US" dirty="0" smtClean="0"/>
-              <a:t>白色象徵著純潔與高雅，襯托出高級蛋糕店的典雅</a:t>
-            </a:r>
-            <a:endParaRPr lang="en-US" altLang="zh-TW" dirty="0" smtClean="0"/>
-          </a:p>
-        </p:txBody>
-      </p:sp>
     </p:spTree>
     <p:extLst>
       <p:ext uri="{BB962C8B-B14F-4D97-AF65-F5344CB8AC3E}">
